--- a/Presentation/Presentation-04-04-2019.pptx
+++ b/Presentation/Presentation-04-04-2019.pptx
@@ -165,7 +165,7 @@
   </p:defaultTextStyle>
   <p:extLst>
     <p:ext uri="{EFAFB233-063F-42B5-8137-9DF3F51BA10A}">
-      <p15:sldGuideLst xmlns:p15="http://schemas.microsoft.com/office/powerpoint/2012/main" xmlns="">
+      <p15:sldGuideLst xmlns="" xmlns:p15="http://schemas.microsoft.com/office/powerpoint/2012/main">
         <p15:guide id="1" orient="horz" pos="2160">
           <p15:clr>
             <a:srgbClr val="A4A3A4"/>
@@ -179,7 +179,7 @@
       </p15:sldGuideLst>
     </p:ext>
     <p:ext uri="{2D200454-40CA-4A62-9FC3-DE9A4176ACB9}">
-      <p15:notesGuideLst xmlns:p15="http://schemas.microsoft.com/office/powerpoint/2012/main" xmlns="">
+      <p15:notesGuideLst xmlns="" xmlns:p15="http://schemas.microsoft.com/office/powerpoint/2012/main">
         <p15:guide id="1" orient="horz" pos="2880">
           <p15:clr>
             <a:srgbClr val="A4A3A4"/>
@@ -278,7 +278,7 @@
           <a:p>
             <a:fld id="{B9399990-2520-4FC7-ACBB-75073F2B1803}" type="datetimeFigureOut">
               <a:rPr lang="fr-FR" smtClean="0"/>
-              <a:t>03/04/2019</a:t>
+              <a:t>08/04/2019</a:t>
             </a:fld>
             <a:endParaRPr lang="fr-FR"/>
           </a:p>
@@ -10932,15 +10932,7 @@
                   <a:prstClr val="black"/>
                 </a:solidFill>
               </a:rPr>
-              <a:t>OBP2 </a:t>
-            </a:r>
-            <a:r>
-              <a:rPr lang="fr-FR" sz="2400" dirty="0" smtClean="0">
-                <a:solidFill>
-                  <a:prstClr val="black"/>
-                </a:solidFill>
-              </a:rPr>
-              <a:t>/ UPPAAL</a:t>
+              <a:t>OBP2 / UPPAAL</a:t>
             </a:r>
             <a:endParaRPr lang="fr-FR" sz="2400" dirty="0">
               <a:solidFill>
@@ -17769,11 +17761,6 @@
               </a:rPr>
               <a:t>Trop vaste, difficilement applicable sur un cas jouet</a:t>
             </a:r>
-            <a:endParaRPr lang="fr-FR" sz="2400" dirty="0" smtClean="0">
-              <a:solidFill>
-                <a:prstClr val="black"/>
-              </a:solidFill>
-            </a:endParaRPr>
           </a:p>
         </p:txBody>
       </p:sp>
@@ -18146,15 +18133,7 @@
                   <a:prstClr val="black"/>
                 </a:solidFill>
               </a:rPr>
-              <a:t>Pas clair, mélange de données et de traitemen</a:t>
-            </a:r>
-            <a:r>
-              <a:rPr lang="fr-FR" sz="2400" dirty="0" smtClean="0">
-                <a:solidFill>
-                  <a:prstClr val="black"/>
-                </a:solidFill>
-              </a:rPr>
-              <a:t>ts, redondance</a:t>
+              <a:t>Pas clair, mélange de données et de traitements, redondance</a:t>
             </a:r>
           </a:p>
         </p:txBody>
@@ -24218,8 +24197,8 @@
           </a:prstGeom>
         </p:spPr>
       </p:pic>
-      <mc:AlternateContent xmlns:mc="http://schemas.openxmlformats.org/markup-compatibility/2006">
-        <mc:Choice xmlns:a14="http://schemas.microsoft.com/office/drawing/2010/main" Requires="a14">
+      <mc:AlternateContent xmlns:mc="http://schemas.openxmlformats.org/markup-compatibility/2006" xmlns:a14="http://schemas.microsoft.com/office/drawing/2010/main">
+        <mc:Choice Requires="a14">
           <p:sp>
             <p:nvSpPr>
               <p:cNvPr id="12" name="ZoneTexte 11"/>
@@ -24242,6 +24221,7 @@
               </a:bodyPr>
               <a:lstStyle/>
               <a:p>
+                <a:pPr/>
                 <a14:m>
                   <m:oMathPara xmlns:m="http://schemas.openxmlformats.org/officeDocument/2006/math">
                     <m:oMathParaPr>
@@ -24301,13 +24281,7 @@
                                 <a:rPr lang="fr-FR" b="0" i="1" smtClean="0">
                                   <a:latin typeface="Cambria Math"/>
                                 </a:rPr>
-                                <m:t>2|</m:t>
-                              </m:r>
-                              <m:r>
-                                <a:rPr lang="fr-FR" b="0" i="1" smtClean="0">
-                                  <a:latin typeface="Cambria Math"/>
-                                </a:rPr>
-                                <m:t>3</m:t>
+                                <m:t>2|3</m:t>
                               </m:r>
                             </m:e>
                             <m:e>
@@ -24343,7 +24317,7 @@
             </p:txBody>
           </p:sp>
         </mc:Choice>
-        <mc:Fallback>
+        <mc:Fallback xmlns="">
           <p:sp>
             <p:nvSpPr>
               <p:cNvPr id="12" name="ZoneTexte 11"/>
@@ -24822,8 +24796,8 @@
           </a:prstGeom>
         </p:spPr>
       </p:pic>
-      <mc:AlternateContent xmlns:mc="http://schemas.openxmlformats.org/markup-compatibility/2006">
-        <mc:Choice xmlns:a14="http://schemas.microsoft.com/office/drawing/2010/main" Requires="a14">
+      <mc:AlternateContent xmlns:mc="http://schemas.openxmlformats.org/markup-compatibility/2006" xmlns:a14="http://schemas.microsoft.com/office/drawing/2010/main">
+        <mc:Choice Requires="a14">
           <p:sp>
             <p:nvSpPr>
               <p:cNvPr id="12" name="ZoneTexte 11"/>
@@ -24846,6 +24820,7 @@
               </a:bodyPr>
               <a:lstStyle/>
               <a:p>
+                <a:pPr/>
                 <a14:m>
                   <m:oMathPara xmlns:m="http://schemas.openxmlformats.org/officeDocument/2006/math">
                     <m:oMathParaPr>
@@ -24905,13 +24880,7 @@
                                 <a:rPr lang="fr-FR" b="0" i="1" smtClean="0">
                                   <a:latin typeface="Cambria Math"/>
                                 </a:rPr>
-                                <m:t>1|2|</m:t>
-                              </m:r>
-                              <m:r>
-                                <a:rPr lang="fr-FR" b="0" i="1" smtClean="0">
-                                  <a:latin typeface="Cambria Math"/>
-                                </a:rPr>
-                                <m:t>3</m:t>
+                                <m:t>1|2|3</m:t>
                               </m:r>
                             </m:e>
                             <m:e>
@@ -24947,7 +24916,7 @@
             </p:txBody>
           </p:sp>
         </mc:Choice>
-        <mc:Fallback>
+        <mc:Fallback xmlns="">
           <p:sp>
             <p:nvSpPr>
               <p:cNvPr id="12" name="ZoneTexte 11"/>
@@ -24986,8 +24955,8 @@
           </p:sp>
         </mc:Fallback>
       </mc:AlternateContent>
-      <mc:AlternateContent xmlns:mc="http://schemas.openxmlformats.org/markup-compatibility/2006">
-        <mc:Choice xmlns:a14="http://schemas.microsoft.com/office/drawing/2010/main" Requires="a14">
+      <mc:AlternateContent xmlns:mc="http://schemas.openxmlformats.org/markup-compatibility/2006" xmlns:a14="http://schemas.microsoft.com/office/drawing/2010/main">
+        <mc:Choice Requires="a14">
           <p:sp>
             <p:nvSpPr>
               <p:cNvPr id="16" name="ZoneTexte 15"/>
@@ -25096,7 +25065,7 @@
             </p:txBody>
           </p:sp>
         </mc:Choice>
-        <mc:Fallback>
+        <mc:Fallback xmlns="">
           <p:sp>
             <p:nvSpPr>
               <p:cNvPr id="16" name="ZoneTexte 15"/>
@@ -25135,8 +25104,8 @@
           </p:sp>
         </mc:Fallback>
       </mc:AlternateContent>
-      <mc:AlternateContent xmlns:mc="http://schemas.openxmlformats.org/markup-compatibility/2006">
-        <mc:Choice xmlns:a14="http://schemas.microsoft.com/office/drawing/2010/main" Requires="a14">
+      <mc:AlternateContent xmlns:mc="http://schemas.openxmlformats.org/markup-compatibility/2006" xmlns:a14="http://schemas.microsoft.com/office/drawing/2010/main">
+        <mc:Choice Requires="a14">
           <p:sp>
             <p:nvSpPr>
               <p:cNvPr id="17" name="ZoneTexte 16"/>
@@ -25159,6 +25128,7 @@
               </a:bodyPr>
               <a:lstStyle/>
               <a:p>
+                <a:pPr/>
                 <a14:m>
                   <m:oMathPara xmlns:m="http://schemas.openxmlformats.org/officeDocument/2006/math">
                     <m:oMathParaPr>
@@ -25218,13 +25188,7 @@
                                 <a:rPr lang="fr-FR" b="0" i="1" smtClean="0">
                                   <a:latin typeface="Cambria Math"/>
                                 </a:rPr>
-                                <m:t>2|</m:t>
-                              </m:r>
-                              <m:r>
-                                <a:rPr lang="fr-FR" b="0" i="1" smtClean="0">
-                                  <a:latin typeface="Cambria Math"/>
-                                </a:rPr>
-                                <m:t>3</m:t>
+                                <m:t>2|3</m:t>
                               </m:r>
                             </m:e>
                             <m:e>
@@ -25260,7 +25224,7 @@
             </p:txBody>
           </p:sp>
         </mc:Choice>
-        <mc:Fallback>
+        <mc:Fallback xmlns="">
           <p:sp>
             <p:nvSpPr>
               <p:cNvPr id="17" name="ZoneTexte 16"/>
@@ -26038,48 +26002,116 @@
           <a:lstStyle/>
           <a:p>
             <a:r>
-              <a:rPr lang="fr-FR" sz="700" smtClean="0"/>
+              <a:rPr lang="fr-FR" sz="700" dirty="0" smtClean="0"/>
               <a:t>[1] </a:t>
             </a:r>
             <a:r>
-              <a:rPr lang="fr-FR" sz="700" i="1" smtClean="0"/>
+              <a:rPr lang="fr-FR" sz="700" i="1" dirty="0" smtClean="0"/>
               <a:t>Analyse et réduction de la surface d’attaque </a:t>
             </a:r>
             <a:r>
-              <a:rPr lang="fr-FR" sz="700" smtClean="0"/>
-              <a:t>/ Mickael Dorigny / https://www.information-security.fr/ / 19 Décembre 2015</a:t>
-            </a:r>
-          </a:p>
-          <a:p>
-            <a:r>
-              <a:rPr lang="fr-FR" sz="700" smtClean="0"/>
+              <a:rPr lang="fr-FR" sz="700" dirty="0" smtClean="0"/>
+              <a:t>/ Mickael </a:t>
+            </a:r>
+            <a:r>
+              <a:rPr lang="fr-FR" sz="700" dirty="0" err="1" smtClean="0"/>
+              <a:t>Dorigny</a:t>
+            </a:r>
+            <a:r>
+              <a:rPr lang="fr-FR" sz="700" dirty="0" smtClean="0"/>
+              <a:t> / https://www.information-security.fr/ / 19 Décembre 2015</a:t>
+            </a:r>
+          </a:p>
+          <a:p>
+            <a:r>
+              <a:rPr lang="fr-FR" sz="700" dirty="0" smtClean="0"/>
               <a:t>[2] </a:t>
             </a:r>
             <a:r>
-              <a:rPr lang="fr-FR" sz="700" i="1" smtClean="0"/>
-              <a:t>Towards Threat, Attack, and Vulnerability Taxonomies </a:t>
-            </a:r>
-            <a:r>
-              <a:rPr lang="fr-FR" sz="700" smtClean="0"/>
-              <a:t>/ Dennis Hollingworth / Network Associates laboratories USA / 2003</a:t>
-            </a:r>
-          </a:p>
-          <a:p>
-            <a:r>
-              <a:rPr lang="fr-FR" sz="700" smtClean="0"/>
+              <a:rPr lang="fr-FR" sz="700" i="1" dirty="0" err="1" smtClean="0"/>
+              <a:t>Towards</a:t>
+            </a:r>
+            <a:r>
+              <a:rPr lang="fr-FR" sz="700" i="1" dirty="0" smtClean="0"/>
+              <a:t> </a:t>
+            </a:r>
+            <a:r>
+              <a:rPr lang="fr-FR" sz="700" i="1" dirty="0" err="1" smtClean="0"/>
+              <a:t>Threat</a:t>
+            </a:r>
+            <a:r>
+              <a:rPr lang="fr-FR" sz="700" i="1" dirty="0" smtClean="0"/>
+              <a:t>, Attack, and </a:t>
+            </a:r>
+            <a:r>
+              <a:rPr lang="fr-FR" sz="700" i="1" dirty="0" err="1" smtClean="0"/>
+              <a:t>Vulnerability</a:t>
+            </a:r>
+            <a:r>
+              <a:rPr lang="fr-FR" sz="700" i="1" dirty="0" smtClean="0"/>
+              <a:t> Taxonomies </a:t>
+            </a:r>
+            <a:r>
+              <a:rPr lang="fr-FR" sz="700" dirty="0" smtClean="0"/>
+              <a:t>/ Dennis </a:t>
+            </a:r>
+            <a:r>
+              <a:rPr lang="fr-FR" sz="700" dirty="0" err="1" smtClean="0"/>
+              <a:t>Hollingworth</a:t>
+            </a:r>
+            <a:r>
+              <a:rPr lang="fr-FR" sz="700" dirty="0" smtClean="0"/>
+              <a:t> / Network Associates </a:t>
+            </a:r>
+            <a:r>
+              <a:rPr lang="fr-FR" sz="700" dirty="0" err="1" smtClean="0"/>
+              <a:t>laboratories</a:t>
+            </a:r>
+            <a:r>
+              <a:rPr lang="fr-FR" sz="700" dirty="0" smtClean="0"/>
+              <a:t> USA / 2003</a:t>
+            </a:r>
+          </a:p>
+          <a:p>
+            <a:r>
+              <a:rPr lang="fr-FR" sz="700" dirty="0" smtClean="0"/>
               <a:t>[3] </a:t>
             </a:r>
             <a:r>
-              <a:rPr lang="fr-FR" sz="700" i="1" smtClean="0"/>
+              <a:rPr lang="fr-FR" sz="700" i="1" dirty="0" smtClean="0"/>
               <a:t>Trust in Cyberspace</a:t>
             </a:r>
             <a:r>
-              <a:rPr lang="fr-FR" sz="700" smtClean="0"/>
-              <a:t> / Fred B. Schneider / Committee on Information Systems Trustworthiness, Washington, D.C.  USA / 1999</a:t>
-            </a:r>
-          </a:p>
-          <a:p>
-            <a:endParaRPr lang="fr-FR" sz="700" smtClean="0"/>
+              <a:rPr lang="fr-FR" sz="700" dirty="0" smtClean="0"/>
+              <a:t> / Fred B. Schneider / </a:t>
+            </a:r>
+            <a:r>
+              <a:rPr lang="fr-FR" sz="700" dirty="0" err="1" smtClean="0"/>
+              <a:t>Committee</a:t>
+            </a:r>
+            <a:r>
+              <a:rPr lang="fr-FR" sz="700" dirty="0" smtClean="0"/>
+              <a:t> on Information </a:t>
+            </a:r>
+            <a:r>
+              <a:rPr lang="fr-FR" sz="700" dirty="0" err="1" smtClean="0"/>
+              <a:t>Systems</a:t>
+            </a:r>
+            <a:r>
+              <a:rPr lang="fr-FR" sz="700" dirty="0" smtClean="0"/>
+              <a:t> </a:t>
+            </a:r>
+            <a:r>
+              <a:rPr lang="fr-FR" sz="700" dirty="0" err="1" smtClean="0"/>
+              <a:t>Trustworthiness</a:t>
+            </a:r>
+            <a:r>
+              <a:rPr lang="fr-FR" sz="700" dirty="0" smtClean="0"/>
+              <a:t>, Washington, D.C.  USA / 1999</a:t>
+            </a:r>
+          </a:p>
+          <a:p>
+            <a:endParaRPr lang="fr-FR" sz="700" dirty="0" smtClean="0"/>
           </a:p>
           <a:p>
             <a:endParaRPr lang="fr-FR" sz="700" dirty="0"/>
